--- a/Slides/ASPNET Core Internals.ru.pptx
+++ b/Slides/ASPNET Core Internals.ru.pptx
@@ -273,7 +273,7 @@
               <a:rPr lang="en-US" smtClean="0">
                 <a:latin typeface="Segoe UI" pitchFamily="34" charset="0"/>
               </a:rPr>
-              <a:t>5/17/2016 2:17 AM</a:t>
+              <a:t>5/23/2016 11:49 AM</a:t>
             </a:fld>
             <a:endParaRPr lang="en-US" dirty="0">
               <a:latin typeface="Segoe UI" pitchFamily="34" charset="0"/>
@@ -551,7 +551,7 @@
           <a:p>
             <a:fld id="{38EEC551-8CDA-4EB6-89BB-2A86C9F091C8}" type="datetime8">
               <a:rPr lang="en-US" smtClean="0"/>
-              <a:t>5/17/2016 2:17 AM</a:t>
+              <a:t>5/23/2016 11:49 AM</a:t>
             </a:fld>
             <a:endParaRPr lang="en-US" dirty="0"/>
           </a:p>
@@ -1047,7 +1047,7 @@
                 <a:tabLst/>
                 <a:defRPr/>
               </a:pPr>
-              <a:t>5/17/2016 2:17 AM</a:t>
+              <a:t>5/23/2016 11:49 AM</a:t>
             </a:fld>
             <a:endParaRPr kumimoji="0" lang="en-US" sz="1800" b="0" i="0" u="none" strike="noStrike" kern="0" cap="none" spc="0" normalizeH="0" baseline="0" noProof="0" dirty="0">
               <a:ln>
@@ -2472,7 +2472,7 @@
           <a:p>
             <a:fld id="{38EEC551-8CDA-4EB6-89BB-2A86C9F091C8}" type="datetime8">
               <a:rPr lang="en-US" smtClean="0"/>
-              <a:t>5/17/2016 2:17 AM</a:t>
+              <a:t>5/23/2016 11:49 AM</a:t>
             </a:fld>
             <a:endParaRPr lang="en-US" dirty="0"/>
           </a:p>
@@ -26335,8 +26335,12 @@
           <a:lstStyle/>
           <a:p>
             <a:r>
+              <a:rPr lang="ru-RU" dirty="0"/>
+              <a:t>Обзор функций</a:t>
+            </a:r>
+            <a:r>
               <a:rPr lang="en-US" dirty="0"/>
-              <a:t>Feature Overview + Demos</a:t>
+              <a:t> + Demos</a:t>
             </a:r>
           </a:p>
         </p:txBody>
@@ -26551,7 +26555,7 @@
         </p:nvGrpSpPr>
         <p:grpSpPr>
           <a:xfrm>
-            <a:off x="6827837" y="1726397"/>
+            <a:off x="7144902" y="1724636"/>
             <a:ext cx="4864865" cy="4844372"/>
             <a:chOff x="6827837" y="1726397"/>
             <a:chExt cx="4864865" cy="4844372"/>
@@ -26639,9 +26643,9 @@
         <p:grpSpPr>
           <a:xfrm>
             <a:off x="150034" y="1726397"/>
-            <a:ext cx="5571269" cy="4844371"/>
+            <a:ext cx="6569042" cy="4844371"/>
             <a:chOff x="150034" y="1726397"/>
-            <a:chExt cx="5571269" cy="4844371"/>
+            <a:chExt cx="6569042" cy="4844371"/>
           </a:xfrm>
         </p:grpSpPr>
         <p:pic>
@@ -26659,7 +26663,7 @@
           </p:blipFill>
           <p:spPr>
             <a:xfrm>
-              <a:off x="503237" y="2354261"/>
+              <a:off x="1002122" y="2354261"/>
               <a:ext cx="4864865" cy="4216507"/>
             </a:xfrm>
             <a:prstGeom prst="rect">
@@ -26676,7 +26680,7 @@
           <p:spPr>
             <a:xfrm>
               <a:off x="150034" y="1726397"/>
-              <a:ext cx="5571269" cy="627864"/>
+              <a:ext cx="6569042" cy="627864"/>
             </a:xfrm>
             <a:prstGeom prst="rect">
               <a:avLst/>
@@ -26698,6 +26702,22 @@
                 </a:spcAft>
               </a:pPr>
               <a:r>
+                <a:rPr lang="ru-RU" sz="2400" dirty="0">
+                  <a:gradFill>
+                    <a:gsLst>
+                      <a:gs pos="2917">
+                        <a:schemeClr val="tx1"/>
+                      </a:gs>
+                      <a:gs pos="30000">
+                        <a:schemeClr val="tx1"/>
+                      </a:gs>
+                    </a:gsLst>
+                    <a:lin ang="5400000" scaled="0"/>
+                  </a:gradFill>
+                </a:rPr>
+                <a:t>Традиционная модель приложения </a:t>
+              </a:r>
+              <a:r>
                 <a:rPr lang="en-US" sz="2400" dirty="0">
                   <a:gradFill>
                     <a:gsLst>
@@ -26711,7 +26731,7 @@
                     <a:lin ang="5400000" scaled="0"/>
                   </a:gradFill>
                 </a:rPr>
-                <a:t>Traditional ASP.NET Application Model</a:t>
+                <a:t>ASP.NET</a:t>
               </a:r>
             </a:p>
           </p:txBody>
@@ -27355,9 +27375,22 @@
           <a:lstStyle/>
           <a:p>
             <a:r>
-              <a:rPr lang="en-US" dirty="0"/>
-              <a:t>Demo: Adding MVC features to Empty project</a:t>
-            </a:r>
+              <a:rPr lang="en-US" sz="4000" dirty="0"/>
+              <a:t>Demo: </a:t>
+            </a:r>
+            <a:r>
+              <a:rPr lang="ru-RU" sz="4000" dirty="0"/>
+              <a:t>Добавляем функции </a:t>
+            </a:r>
+            <a:r>
+              <a:rPr lang="en-US" sz="4000" dirty="0"/>
+              <a:t>MVC </a:t>
+            </a:r>
+            <a:r>
+              <a:rPr lang="ru-RU" sz="4000" dirty="0"/>
+              <a:t>в пустой проект</a:t>
+            </a:r>
+            <a:endParaRPr lang="en-US" sz="4000" dirty="0"/>
           </a:p>
         </p:txBody>
       </p:sp>
@@ -27525,7 +27558,15 @@
           <a:p>
             <a:r>
               <a:rPr lang="en-US" dirty="0"/>
-              <a:t>Demo: Adding an API</a:t>
+              <a:t>Demo: </a:t>
+            </a:r>
+            <a:r>
+              <a:rPr lang="ru-RU" dirty="0"/>
+              <a:t>Добавляем</a:t>
+            </a:r>
+            <a:r>
+              <a:rPr lang="en-US" dirty="0"/>
+              <a:t> API</a:t>
             </a:r>
           </a:p>
         </p:txBody>
@@ -27749,8 +27790,13 @@
           <a:p>
             <a:r>
               <a:rPr lang="en-US" dirty="0"/>
-              <a:t>Demo: In-memory Storage</a:t>
-            </a:r>
+              <a:t>Demo: In-memory </a:t>
+            </a:r>
+            <a:r>
+              <a:rPr lang="ru-RU" dirty="0"/>
+              <a:t>Хранилище</a:t>
+            </a:r>
+            <a:endParaRPr lang="en-US" dirty="0"/>
           </a:p>
         </p:txBody>
       </p:sp>
@@ -27900,8 +27946,12 @@
           <a:lstStyle/>
           <a:p>
             <a:r>
+              <a:rPr lang="ru-RU" dirty="0" err="1"/>
+              <a:t>Содрежание</a:t>
+            </a:r>
+            <a:r>
               <a:rPr lang="en-US" dirty="0"/>
-              <a:t>Agenda: ASP.NET Core 1.0 Internals</a:t>
+              <a:t>: ASP.NET Core 1.0 Internals</a:t>
             </a:r>
           </a:p>
         </p:txBody>
@@ -28166,6 +28216,97 @@
               <a:defRPr/>
             </a:pPr>
             <a:r>
+              <a:rPr kumimoji="0" lang="ru-RU" sz="4000" b="0" i="0" u="none" strike="noStrike" kern="1200" cap="none" spc="0" normalizeH="0" baseline="0" noProof="0" dirty="0">
+                <a:ln>
+                  <a:noFill/>
+                </a:ln>
+                <a:gradFill>
+                  <a:gsLst>
+                    <a:gs pos="1250">
+                      <a:schemeClr val="tx1"/>
+                    </a:gs>
+                    <a:gs pos="100000">
+                      <a:schemeClr val="tx1"/>
+                    </a:gs>
+                  </a:gsLst>
+                  <a:lin ang="5400000" scaled="0"/>
+                </a:gradFill>
+                <a:effectLst/>
+                <a:uLnTx/>
+                <a:uFillTx/>
+                <a:latin typeface="+mj-lt"/>
+                <a:ea typeface="+mn-ea"/>
+                <a:cs typeface="+mn-cs"/>
+              </a:rPr>
+              <a:t>Работа со статическими файлами</a:t>
+            </a:r>
+            <a:endParaRPr kumimoji="0" lang="en-US" sz="4000" b="0" i="0" u="none" strike="noStrike" kern="1200" cap="none" spc="0" normalizeH="0" baseline="0" noProof="0" dirty="0">
+              <a:ln>
+                <a:noFill/>
+              </a:ln>
+              <a:gradFill>
+                <a:gsLst>
+                  <a:gs pos="1250">
+                    <a:schemeClr val="tx1"/>
+                  </a:gs>
+                  <a:gs pos="100000">
+                    <a:schemeClr val="tx1"/>
+                  </a:gs>
+                </a:gsLst>
+                <a:lin ang="5400000" scaled="0"/>
+              </a:gradFill>
+              <a:effectLst/>
+              <a:uLnTx/>
+              <a:uFillTx/>
+              <a:latin typeface="+mj-lt"/>
+              <a:ea typeface="+mn-ea"/>
+              <a:cs typeface="+mn-cs"/>
+            </a:endParaRPr>
+          </a:p>
+          <a:p>
+            <a:pPr marL="742950" marR="0" lvl="0" indent="-742950" algn="l" defTabSz="932563" rtl="0" eaLnBrk="1" fontAlgn="auto" latinLnBrk="0" hangingPunct="1">
+              <a:lnSpc>
+                <a:spcPct val="90000"/>
+              </a:lnSpc>
+              <a:spcBef>
+                <a:spcPct val="20000"/>
+              </a:spcBef>
+              <a:spcAft>
+                <a:spcPts val="0"/>
+              </a:spcAft>
+              <a:buClrTx/>
+              <a:buSzPct val="90000"/>
+              <a:buFont typeface="Arial" pitchFamily="34" charset="0"/>
+              <a:buAutoNum type="arabicPeriod"/>
+              <a:tabLst/>
+              <a:defRPr/>
+            </a:pPr>
+            <a:r>
+              <a:rPr kumimoji="0" lang="ru-RU" sz="4000" b="0" i="0" u="none" strike="noStrike" kern="1200" cap="none" spc="0" normalizeH="0" baseline="0" noProof="0" dirty="0">
+                <a:ln>
+                  <a:noFill/>
+                </a:ln>
+                <a:gradFill>
+                  <a:gsLst>
+                    <a:gs pos="1250">
+                      <a:schemeClr val="tx1"/>
+                    </a:gs>
+                    <a:gs pos="100000">
+                      <a:schemeClr val="tx1"/>
+                    </a:gs>
+                  </a:gsLst>
+                  <a:lin ang="5400000" scaled="0"/>
+                </a:gradFill>
+                <a:effectLst/>
+                <a:uLnTx/>
+                <a:uFillTx/>
+                <a:latin typeface="+mj-lt"/>
+                <a:ea typeface="+mn-ea"/>
+                <a:cs typeface="+mn-cs"/>
+              </a:rPr>
+              <a:t>Введение в </a:t>
+            </a:r>
+            <a:r>
               <a:rPr kumimoji="0" lang="en-US" sz="4000" b="0" i="0" u="none" strike="noStrike" kern="1200" cap="none" spc="0" normalizeH="0" baseline="0" noProof="0" dirty="0">
                 <a:ln>
                   <a:noFill/>
@@ -28188,27 +28329,33 @@
                 <a:ea typeface="+mn-ea"/>
                 <a:cs typeface="+mn-cs"/>
               </a:rPr>
-              <a:t>Working with Static Files</a:t>
-            </a:r>
-          </a:p>
-          <a:p>
-            <a:pPr marL="742950" marR="0" lvl="0" indent="-742950" algn="l" defTabSz="932563" rtl="0" eaLnBrk="1" fontAlgn="auto" latinLnBrk="0" hangingPunct="1">
-              <a:lnSpc>
-                <a:spcPct val="90000"/>
-              </a:lnSpc>
-              <a:spcBef>
-                <a:spcPct val="20000"/>
-              </a:spcBef>
-              <a:spcAft>
-                <a:spcPts val="0"/>
-              </a:spcAft>
-              <a:buClrTx/>
-              <a:buSzPct val="90000"/>
-              <a:buFont typeface="Arial" pitchFamily="34" charset="0"/>
-              <a:buAutoNum type="arabicPeriod"/>
-              <a:tabLst/>
-              <a:defRPr/>
-            </a:pPr>
+              <a:t>Routing </a:t>
+            </a:r>
+            <a:r>
+              <a:rPr kumimoji="0" lang="ru-RU" sz="4000" b="0" i="0" u="none" strike="noStrike" kern="1200" cap="none" spc="0" normalizeH="0" baseline="0" noProof="0" dirty="0">
+                <a:ln>
+                  <a:noFill/>
+                </a:ln>
+                <a:gradFill>
+                  <a:gsLst>
+                    <a:gs pos="1250">
+                      <a:schemeClr val="tx1"/>
+                    </a:gs>
+                    <a:gs pos="100000">
+                      <a:schemeClr val="tx1"/>
+                    </a:gs>
+                  </a:gsLst>
+                  <a:lin ang="5400000" scaled="0"/>
+                </a:gradFill>
+                <a:effectLst/>
+                <a:uLnTx/>
+                <a:uFillTx/>
+                <a:latin typeface="+mj-lt"/>
+                <a:ea typeface="+mn-ea"/>
+                <a:cs typeface="+mn-cs"/>
+              </a:rPr>
+              <a:t>и </a:t>
+            </a:r>
             <a:r>
               <a:rPr kumimoji="0" lang="en-US" sz="4000" b="0" i="0" u="none" strike="noStrike" kern="1200" cap="none" spc="0" normalizeH="0" baseline="0" noProof="0" dirty="0">
                 <a:ln>
@@ -28232,7 +28379,7 @@
                 <a:ea typeface="+mn-ea"/>
                 <a:cs typeface="+mn-cs"/>
               </a:rPr>
-              <a:t>Intro to Routing and MVC</a:t>
+              <a:t>MVC</a:t>
             </a:r>
           </a:p>
           <a:p>
@@ -28253,6 +28400,31 @@
               <a:tabLst/>
               <a:defRPr/>
             </a:pPr>
+            <a:r>
+              <a:rPr kumimoji="0" lang="ru-RU" sz="4000" b="0" i="0" u="none" strike="noStrike" kern="1200" cap="none" spc="0" normalizeH="0" baseline="0" noProof="0" dirty="0">
+                <a:ln>
+                  <a:noFill/>
+                </a:ln>
+                <a:gradFill>
+                  <a:gsLst>
+                    <a:gs pos="1250">
+                      <a:schemeClr val="tx1"/>
+                    </a:gs>
+                    <a:gs pos="100000">
+                      <a:schemeClr val="tx1"/>
+                    </a:gs>
+                  </a:gsLst>
+                  <a:lin ang="5400000" scaled="0"/>
+                </a:gradFill>
+                <a:effectLst/>
+                <a:uLnTx/>
+                <a:uFillTx/>
+                <a:latin typeface="+mj-lt"/>
+                <a:ea typeface="+mn-ea"/>
+                <a:cs typeface="+mn-cs"/>
+              </a:rPr>
+              <a:t>Написание собственного </a:t>
+            </a:r>
             <a:r>
               <a:rPr kumimoji="0" lang="en-US" sz="4000" b="0" i="0" u="none" strike="noStrike" kern="1200" cap="none" spc="0" normalizeH="0" baseline="0" noProof="0" dirty="0">
                 <a:ln>
@@ -28276,7 +28448,7 @@
                 <a:ea typeface="+mn-ea"/>
                 <a:cs typeface="+mn-cs"/>
               </a:rPr>
-              <a:t>Writing Custom Middleware</a:t>
+              <a:t>Middleware</a:t>
             </a:r>
           </a:p>
           <a:p>
@@ -28297,6 +28469,80 @@
               <a:tabLst/>
               <a:defRPr/>
             </a:pPr>
+            <a:r>
+              <a:rPr kumimoji="0" lang="ru-RU" sz="4000" b="0" i="0" u="none" strike="noStrike" kern="1200" cap="none" spc="0" normalizeH="0" baseline="0" noProof="0" dirty="0">
+                <a:ln>
+                  <a:noFill/>
+                </a:ln>
+                <a:gradFill>
+                  <a:gsLst>
+                    <a:gs pos="1250">
+                      <a:schemeClr val="tx1"/>
+                    </a:gs>
+                    <a:gs pos="100000">
+                      <a:schemeClr val="tx1"/>
+                    </a:gs>
+                  </a:gsLst>
+                  <a:lin ang="5400000" scaled="0"/>
+                </a:gradFill>
+                <a:effectLst/>
+                <a:uLnTx/>
+                <a:uFillTx/>
+                <a:latin typeface="+mj-lt"/>
+                <a:ea typeface="+mn-ea"/>
+                <a:cs typeface="+mn-cs"/>
+              </a:rPr>
+              <a:t>Управление аутентификацией </a:t>
+            </a:r>
+            <a:br>
+              <a:rPr kumimoji="0" lang="ru-RU" sz="4000" b="0" i="0" u="none" strike="noStrike" kern="1200" cap="none" spc="0" normalizeH="0" baseline="0" noProof="0" dirty="0">
+                <a:ln>
+                  <a:noFill/>
+                </a:ln>
+                <a:gradFill>
+                  <a:gsLst>
+                    <a:gs pos="1250">
+                      <a:schemeClr val="tx1"/>
+                    </a:gs>
+                    <a:gs pos="100000">
+                      <a:schemeClr val="tx1"/>
+                    </a:gs>
+                  </a:gsLst>
+                  <a:lin ang="5400000" scaled="0"/>
+                </a:gradFill>
+                <a:effectLst/>
+                <a:uLnTx/>
+                <a:uFillTx/>
+                <a:latin typeface="+mj-lt"/>
+                <a:ea typeface="+mn-ea"/>
+                <a:cs typeface="+mn-cs"/>
+              </a:rPr>
+            </a:br>
+            <a:r>
+              <a:rPr kumimoji="0" lang="ru-RU" sz="4000" b="0" i="0" u="none" strike="noStrike" kern="1200" cap="none" spc="0" normalizeH="0" baseline="0" noProof="0" dirty="0">
+                <a:ln>
+                  <a:noFill/>
+                </a:ln>
+                <a:gradFill>
+                  <a:gsLst>
+                    <a:gs pos="1250">
+                      <a:schemeClr val="tx1"/>
+                    </a:gs>
+                    <a:gs pos="100000">
+                      <a:schemeClr val="tx1"/>
+                    </a:gs>
+                  </a:gsLst>
+                  <a:lin ang="5400000" scaled="0"/>
+                </a:gradFill>
+                <a:effectLst/>
+                <a:uLnTx/>
+                <a:uFillTx/>
+                <a:latin typeface="+mj-lt"/>
+                <a:ea typeface="+mn-ea"/>
+                <a:cs typeface="+mn-cs"/>
+              </a:rPr>
+              <a:t>в вашем </a:t>
+            </a:r>
             <a:r>
               <a:rPr kumimoji="0" lang="en-US" sz="4000" b="0" i="0" u="none" strike="noStrike" kern="1200" cap="none" spc="0" normalizeH="0" baseline="0" noProof="0" dirty="0">
                 <a:ln>
@@ -28320,8 +28566,55 @@
                 <a:ea typeface="+mn-ea"/>
                 <a:cs typeface="+mn-cs"/>
               </a:rPr>
-              <a:t>Add Authentication to your Web Applications</a:t>
-            </a:r>
+              <a:t>Web</a:t>
+            </a:r>
+            <a:r>
+              <a:rPr kumimoji="0" lang="ru-RU" sz="4000" b="0" i="0" u="none" strike="noStrike" kern="1200" cap="none" spc="0" normalizeH="0" baseline="0" noProof="0" dirty="0">
+                <a:ln>
+                  <a:noFill/>
+                </a:ln>
+                <a:gradFill>
+                  <a:gsLst>
+                    <a:gs pos="1250">
+                      <a:schemeClr val="tx1"/>
+                    </a:gs>
+                    <a:gs pos="100000">
+                      <a:schemeClr val="tx1"/>
+                    </a:gs>
+                  </a:gsLst>
+                  <a:lin ang="5400000" scaled="0"/>
+                </a:gradFill>
+                <a:effectLst/>
+                <a:uLnTx/>
+                <a:uFillTx/>
+                <a:latin typeface="+mj-lt"/>
+                <a:ea typeface="+mn-ea"/>
+                <a:cs typeface="+mn-cs"/>
+              </a:rPr>
+              <a:t>-приложении</a:t>
+            </a:r>
+            <a:endParaRPr kumimoji="0" lang="en-US" sz="4000" b="0" i="0" u="none" strike="noStrike" kern="1200" cap="none" spc="0" normalizeH="0" baseline="0" noProof="0" dirty="0">
+              <a:ln>
+                <a:noFill/>
+              </a:ln>
+              <a:gradFill>
+                <a:gsLst>
+                  <a:gs pos="1250">
+                    <a:schemeClr val="tx1"/>
+                  </a:gs>
+                  <a:gs pos="100000">
+                    <a:schemeClr val="tx1"/>
+                  </a:gs>
+                </a:gsLst>
+                <a:lin ang="5400000" scaled="0"/>
+              </a:gradFill>
+              <a:effectLst/>
+              <a:uLnTx/>
+              <a:uFillTx/>
+              <a:latin typeface="+mj-lt"/>
+              <a:ea typeface="+mn-ea"/>
+              <a:cs typeface="+mn-cs"/>
+            </a:endParaRPr>
           </a:p>
           <a:p>
             <a:pPr marL="742950" marR="0" lvl="0" indent="-742950" algn="l" defTabSz="932563" rtl="0" eaLnBrk="1" fontAlgn="auto" latinLnBrk="0" hangingPunct="1">
@@ -28365,47 +28658,6 @@
             </a:endParaRPr>
           </a:p>
           <a:p>
-            <a:pPr marL="742950" marR="0" lvl="0" indent="-742950" algn="l" defTabSz="932563" rtl="0" eaLnBrk="1" fontAlgn="auto" latinLnBrk="0" hangingPunct="1">
-              <a:lnSpc>
-                <a:spcPct val="90000"/>
-              </a:lnSpc>
-              <a:spcBef>
-                <a:spcPct val="20000"/>
-              </a:spcBef>
-              <a:spcAft>
-                <a:spcPts val="0"/>
-              </a:spcAft>
-              <a:buClrTx/>
-              <a:buSzPct val="90000"/>
-              <a:buFont typeface="Arial" pitchFamily="34" charset="0"/>
-              <a:buAutoNum type="arabicPeriod"/>
-              <a:tabLst/>
-              <a:defRPr/>
-            </a:pPr>
-            <a:endParaRPr kumimoji="0" lang="en-US" sz="4000" b="0" i="0" u="none" strike="noStrike" kern="1200" cap="none" spc="0" normalizeH="0" baseline="0" noProof="0" dirty="0">
-              <a:ln>
-                <a:noFill/>
-              </a:ln>
-              <a:gradFill>
-                <a:gsLst>
-                  <a:gs pos="1250">
-                    <a:schemeClr val="tx1"/>
-                  </a:gs>
-                  <a:gs pos="100000">
-                    <a:schemeClr val="tx1"/>
-                  </a:gs>
-                </a:gsLst>
-                <a:lin ang="5400000" scaled="0"/>
-              </a:gradFill>
-              <a:effectLst/>
-              <a:uLnTx/>
-              <a:uFillTx/>
-              <a:latin typeface="+mj-lt"/>
-              <a:ea typeface="+mn-ea"/>
-              <a:cs typeface="+mn-cs"/>
-            </a:endParaRPr>
-          </a:p>
-          <a:p>
             <a:pPr marL="0" marR="0" lvl="0" indent="0" algn="l" defTabSz="932563" rtl="0" eaLnBrk="1" fontAlgn="auto" latinLnBrk="0" hangingPunct="1">
               <a:lnSpc>
                 <a:spcPct val="90000"/>
@@ -28423,6 +28675,31 @@
               <a:tabLst/>
               <a:defRPr/>
             </a:pPr>
+            <a:r>
+              <a:rPr kumimoji="0" lang="ru-RU" sz="4000" b="0" i="0" u="none" strike="noStrike" kern="1200" cap="none" spc="0" normalizeH="0" baseline="0" noProof="0" dirty="0">
+                <a:ln>
+                  <a:noFill/>
+                </a:ln>
+                <a:gradFill>
+                  <a:gsLst>
+                    <a:gs pos="1250">
+                      <a:schemeClr val="tx1"/>
+                    </a:gs>
+                    <a:gs pos="100000">
+                      <a:schemeClr val="tx1"/>
+                    </a:gs>
+                  </a:gsLst>
+                  <a:lin ang="5400000" scaled="0"/>
+                </a:gradFill>
+                <a:effectLst/>
+                <a:uLnTx/>
+                <a:uFillTx/>
+                <a:latin typeface="+mj-lt"/>
+                <a:ea typeface="+mn-ea"/>
+                <a:cs typeface="+mn-cs"/>
+              </a:rPr>
+              <a:t>Внимание</a:t>
+            </a:r>
             <a:r>
               <a:rPr kumimoji="0" lang="en-US" sz="4000" b="0" i="0" u="none" strike="noStrike" kern="1200" cap="none" spc="0" normalizeH="0" baseline="0" noProof="0" dirty="0">
                 <a:ln>
@@ -28446,7 +28723,57 @@
                 <a:ea typeface="+mn-ea"/>
                 <a:cs typeface="+mn-cs"/>
               </a:rPr>
-              <a:t>Disclaimer: This is an advanced session</a:t>
+              <a:t>: </a:t>
+            </a:r>
+            <a:r>
+              <a:rPr kumimoji="0" lang="ru-RU" sz="4000" b="0" i="0" u="none" strike="noStrike" kern="1200" cap="none" spc="0" normalizeH="0" baseline="0" noProof="0" dirty="0">
+                <a:ln>
+                  <a:noFill/>
+                </a:ln>
+                <a:gradFill>
+                  <a:gsLst>
+                    <a:gs pos="1250">
+                      <a:schemeClr val="tx1"/>
+                    </a:gs>
+                    <a:gs pos="100000">
+                      <a:schemeClr val="tx1"/>
+                    </a:gs>
+                  </a:gsLst>
+                  <a:lin ang="5400000" scaled="0"/>
+                </a:gradFill>
+                <a:effectLst/>
+                <a:uLnTx/>
+                <a:uFillTx/>
+                <a:latin typeface="+mj-lt"/>
+                <a:ea typeface="+mn-ea"/>
+                <a:cs typeface="+mn-cs"/>
+              </a:rPr>
+              <a:t>это сессия с уровнем </a:t>
+            </a:r>
+            <a:r>
+              <a:rPr kumimoji="0" lang="en-US" sz="4000" b="0" i="0" u="none" strike="noStrike" kern="1200" cap="none" spc="0" normalizeH="0" baseline="0" noProof="0" dirty="0">
+                <a:ln>
+                  <a:noFill/>
+                </a:ln>
+                <a:gradFill>
+                  <a:gsLst>
+                    <a:gs pos="1250">
+                      <a:schemeClr val="tx1"/>
+                    </a:gs>
+                    <a:gs pos="100000">
+                      <a:schemeClr val="tx1"/>
+                    </a:gs>
+                  </a:gsLst>
+                  <a:lin ang="5400000" scaled="0"/>
+                </a:gradFill>
+                <a:effectLst/>
+                <a:uLnTx/>
+                <a:uFillTx/>
+                <a:latin typeface="+mj-lt"/>
+                <a:ea typeface="+mn-ea"/>
+                <a:cs typeface="+mn-cs"/>
+              </a:rPr>
+              <a:t>advanced</a:t>
             </a:r>
           </a:p>
         </p:txBody>
@@ -28615,8 +28942,13 @@
           <a:p>
             <a:r>
               <a:rPr lang="en-US" dirty="0"/>
-              <a:t>Demo: Adding a Backing Database</a:t>
-            </a:r>
+              <a:t>Demo: </a:t>
+            </a:r>
+            <a:r>
+              <a:rPr lang="ru-RU" dirty="0"/>
+              <a:t>Добавляем Базу Данных</a:t>
+            </a:r>
+            <a:endParaRPr lang="en-US" dirty="0"/>
           </a:p>
         </p:txBody>
       </p:sp>
@@ -28839,7 +29171,15 @@
           <a:p>
             <a:r>
               <a:rPr lang="en-US" dirty="0"/>
-              <a:t>Demo: Quick Look at Tag Helpers</a:t>
+              <a:t>Demo: </a:t>
+            </a:r>
+            <a:r>
+              <a:rPr lang="ru-RU" dirty="0"/>
+              <a:t>Быстрый взгляд на </a:t>
+            </a:r>
+            <a:r>
+              <a:rPr lang="en-US" dirty="0"/>
+              <a:t>Tag Helpers</a:t>
             </a:r>
           </a:p>
         </p:txBody>
@@ -29008,7 +29348,23 @@
           <a:p>
             <a:r>
               <a:rPr lang="en-US" dirty="0"/>
-              <a:t>Demo: Quick Front-end with TypeScript</a:t>
+              <a:t>Demo: </a:t>
+            </a:r>
+            <a:r>
+              <a:rPr lang="ru-RU" dirty="0"/>
+              <a:t>Быстрый </a:t>
+            </a:r>
+            <a:r>
+              <a:rPr lang="en-US" dirty="0"/>
+              <a:t>Front-end </a:t>
+            </a:r>
+            <a:r>
+              <a:rPr lang="ru-RU" dirty="0"/>
+              <a:t>с </a:t>
+            </a:r>
+            <a:r>
+              <a:rPr lang="en-US" dirty="0"/>
+              <a:t>TypeScript</a:t>
             </a:r>
           </a:p>
         </p:txBody>
@@ -29067,9 +29423,10 @@
           <a:lstStyle/>
           <a:p>
             <a:r>
-              <a:rPr lang="en-US" dirty="0"/>
-              <a:t>Diagnostics</a:t>
-            </a:r>
+              <a:rPr lang="ru-RU" dirty="0"/>
+              <a:t>Диагностика</a:t>
+            </a:r>
+            <a:endParaRPr lang="en-US" dirty="0"/>
           </a:p>
         </p:txBody>
       </p:sp>
@@ -29232,8 +29589,13 @@
           <a:p>
             <a:r>
               <a:rPr lang="en-US" dirty="0"/>
-              <a:t>Demo: Diagnostics Middleware</a:t>
-            </a:r>
+              <a:t>Demo: Middleware</a:t>
+            </a:r>
+            <a:r>
+              <a:rPr lang="ru-RU" dirty="0"/>
+              <a:t> для диагностики</a:t>
+            </a:r>
+            <a:endParaRPr lang="en-US" dirty="0"/>
           </a:p>
         </p:txBody>
       </p:sp>
@@ -29467,15 +29829,27 @@
               <a:rPr lang="en-US" dirty="0"/>
             </a:br>
             <a:r>
-              <a:rPr lang="en-US" dirty="0"/>
-              <a:t>Get started, finish later</a:t>
+              <a:rPr lang="ru-RU"/>
+              <a:t>Начинаем работу</a:t>
+            </a:r>
+            <a:r>
+              <a:rPr lang="ru-RU" dirty="0"/>
+              <a:t>,</a:t>
+            </a:r>
+            <a:r>
+              <a:rPr lang="en-US"/>
+              <a:t> </a:t>
             </a:r>
             <a:br>
               <a:rPr lang="en-US" dirty="0"/>
             </a:br>
             <a:r>
+              <a:rPr lang="ru-RU" dirty="0"/>
+              <a:t>задавайте вопросы</a:t>
+            </a:r>
+            <a:r>
               <a:rPr lang="en-US" dirty="0"/>
-              <a:t>Ask questions!</a:t>
+              <a:t>!</a:t>
             </a:r>
           </a:p>
         </p:txBody>
@@ -29779,9 +30153,10 @@
               <a:rPr lang="en-US" dirty="0"/>
             </a:br>
             <a:r>
-              <a:rPr lang="en-US" dirty="0"/>
-              <a:t>a very quick overview</a:t>
-            </a:r>
+              <a:rPr lang="ru-RU" dirty="0"/>
+              <a:t>очень быстрый обзор</a:t>
+            </a:r>
+            <a:endParaRPr lang="en-US" dirty="0"/>
           </a:p>
         </p:txBody>
       </p:sp>
@@ -29835,7 +30210,15 @@
           <a:p>
             <a:r>
               <a:rPr lang="en-US" dirty="0"/>
-              <a:t>ASP.NET and the Modern Web</a:t>
+              <a:t>ASP.NET </a:t>
+            </a:r>
+            <a:r>
+              <a:rPr lang="ru-RU" dirty="0"/>
+              <a:t>и Современный </a:t>
+            </a:r>
+            <a:r>
+              <a:rPr lang="en-US" dirty="0"/>
+              <a:t>Web</a:t>
             </a:r>
           </a:p>
         </p:txBody>
@@ -29848,8 +30231,8 @@
         </p:nvSpPr>
         <p:spPr>
           <a:xfrm>
-            <a:off x="7816300" y="3202670"/>
-            <a:ext cx="3533377" cy="973101"/>
+            <a:off x="7831139" y="3129643"/>
+            <a:ext cx="4692310" cy="954107"/>
           </a:xfrm>
           <a:prstGeom prst="rect">
             <a:avLst/>
@@ -29879,7 +30262,7 @@
               <a:defRPr/>
             </a:pPr>
             <a:r>
-              <a:rPr kumimoji="0" lang="en-US" sz="2800" b="0" i="0" u="none" strike="noStrike" kern="0" cap="none" spc="0" normalizeH="0" baseline="0" noProof="0" dirty="0">
+              <a:rPr kumimoji="0" lang="ru-RU" sz="2800" b="0" i="0" u="none" strike="noStrike" kern="0" cap="none" spc="0" normalizeH="0" baseline="0" noProof="0" dirty="0">
                 <a:ln>
                   <a:noFill/>
                 </a:ln>
@@ -29890,9 +30273,69 @@
                 <a:uLnTx/>
                 <a:uFillTx/>
               </a:rPr>
-              <a:t>Choose your Editors </a:t>
-            </a:r>
-          </a:p>
+              <a:t>Выбирайте сами любимые </a:t>
+            </a:r>
+            <a:br>
+              <a:rPr kumimoji="0" lang="ru-RU" sz="2800" b="0" i="0" u="none" strike="noStrike" kern="0" cap="none" spc="0" normalizeH="0" baseline="0" noProof="0" dirty="0">
+                <a:ln>
+                  <a:noFill/>
+                </a:ln>
+                <a:solidFill>
+                  <a:srgbClr val="FFFFFF"/>
+                </a:solidFill>
+                <a:effectLst/>
+                <a:uLnTx/>
+                <a:uFillTx/>
+              </a:rPr>
+            </a:br>
+            <a:r>
+              <a:rPr kumimoji="0" lang="ru-RU" sz="2800" b="0" i="0" u="none" strike="noStrike" kern="0" cap="none" spc="0" normalizeH="0" baseline="0" noProof="0" dirty="0">
+                <a:ln>
+                  <a:noFill/>
+                </a:ln>
+                <a:solidFill>
+                  <a:srgbClr val="FFFFFF"/>
+                </a:solidFill>
+                <a:effectLst/>
+                <a:uLnTx/>
+                <a:uFillTx/>
+              </a:rPr>
+              <a:t>редакторы и инструменты</a:t>
+            </a:r>
+            <a:endParaRPr kumimoji="0" lang="en-US" sz="2800" b="0" i="0" u="none" strike="noStrike" kern="0" cap="none" spc="0" normalizeH="0" baseline="0" noProof="0" dirty="0">
+              <a:ln>
+                <a:noFill/>
+              </a:ln>
+              <a:solidFill>
+                <a:srgbClr val="FFFFFF"/>
+              </a:solidFill>
+              <a:effectLst/>
+              <a:uLnTx/>
+              <a:uFillTx/>
+            </a:endParaRPr>
+          </a:p>
+        </p:txBody>
+      </p:sp>
+      <p:sp>
+        <p:nvSpPr>
+          <p:cNvPr id="5" name="Rectangle 4"/>
+          <p:cNvSpPr/>
+          <p:nvPr/>
+        </p:nvSpPr>
+        <p:spPr>
+          <a:xfrm>
+            <a:off x="1961725" y="4509201"/>
+            <a:ext cx="2650084" cy="954107"/>
+          </a:xfrm>
+          <a:prstGeom prst="rect">
+            <a:avLst/>
+          </a:prstGeom>
+        </p:spPr>
+        <p:txBody>
+          <a:bodyPr wrap="none">
+            <a:spAutoFit/>
+          </a:bodyPr>
+          <a:lstStyle/>
           <a:p>
             <a:pPr marL="0" marR="0" lvl="0" indent="0" defTabSz="914224" eaLnBrk="1" fontAlgn="auto" latinLnBrk="0" hangingPunct="1">
               <a:lnSpc>
@@ -29923,21 +30366,62 @@
                 <a:uLnTx/>
                 <a:uFillTx/>
               </a:rPr>
-              <a:t>and Tools</a:t>
+              <a:t>Open Source </a:t>
+            </a:r>
+            <a:br>
+              <a:rPr kumimoji="0" lang="en-US" sz="2800" b="0" i="0" u="none" strike="noStrike" kern="0" cap="none" spc="0" normalizeH="0" baseline="0" noProof="0" dirty="0">
+                <a:ln>
+                  <a:noFill/>
+                </a:ln>
+                <a:solidFill>
+                  <a:srgbClr val="FFFFFF"/>
+                </a:solidFill>
+                <a:effectLst/>
+                <a:uLnTx/>
+                <a:uFillTx/>
+              </a:rPr>
+            </a:br>
+            <a:r>
+              <a:rPr kumimoji="0" lang="ru-RU" sz="2800" b="0" i="0" u="none" strike="noStrike" kern="0" cap="none" spc="0" normalizeH="0" baseline="0" noProof="0" dirty="0">
+                <a:ln>
+                  <a:noFill/>
+                </a:ln>
+                <a:solidFill>
+                  <a:srgbClr val="FFFFFF"/>
+                </a:solidFill>
+                <a:effectLst/>
+                <a:uLnTx/>
+                <a:uFillTx/>
+              </a:rPr>
+              <a:t>и </a:t>
+            </a:r>
+            <a:r>
+              <a:rPr kumimoji="0" lang="en-US" sz="2800" b="0" i="0" u="none" strike="noStrike" kern="0" cap="none" spc="0" normalizeH="0" baseline="0" noProof="0" dirty="0">
+                <a:ln>
+                  <a:noFill/>
+                </a:ln>
+                <a:solidFill>
+                  <a:srgbClr val="FFFFFF"/>
+                </a:solidFill>
+                <a:effectLst/>
+                <a:uLnTx/>
+                <a:uFillTx/>
+              </a:rPr>
+              <a:t>Contributions</a:t>
             </a:r>
           </a:p>
         </p:txBody>
       </p:sp>
       <p:sp>
         <p:nvSpPr>
-          <p:cNvPr id="5" name="Rectangle 4"/>
+          <p:cNvPr id="6" name="Rectangle 5"/>
           <p:cNvSpPr/>
           <p:nvPr/>
         </p:nvSpPr>
         <p:spPr>
           <a:xfrm>
-            <a:off x="1961725" y="4509201"/>
-            <a:ext cx="3175332" cy="973101"/>
+            <a:off x="7754061" y="4758633"/>
+            <a:ext cx="4240263" cy="523220"/>
           </a:xfrm>
           <a:prstGeom prst="rect">
             <a:avLst/>
@@ -29967,7 +30451,7 @@
               <a:defRPr/>
             </a:pPr>
             <a:r>
-              <a:rPr kumimoji="0" lang="en-US" sz="2800" b="0" i="0" u="none" strike="noStrike" kern="0" cap="none" spc="0" normalizeH="0" baseline="0" noProof="0" dirty="0">
+              <a:rPr kumimoji="0" lang="ru-RU" sz="2800" b="0" i="0" u="none" strike="noStrike" kern="0" cap="none" spc="0" normalizeH="0" baseline="0" noProof="0" dirty="0">
                 <a:ln>
                   <a:noFill/>
                 </a:ln>
@@ -29978,10 +30462,10 @@
                 <a:uLnTx/>
                 <a:uFillTx/>
               </a:rPr>
-              <a:t>Open Source </a:t>
-            </a:r>
-            <a:br>
-              <a:rPr kumimoji="0" lang="en-US" sz="2800" b="0" i="0" u="none" strike="noStrike" kern="0" cap="none" spc="0" normalizeH="0" baseline="0" noProof="0" dirty="0">
+              <a:t>Кросс-</a:t>
+            </a:r>
+            <a:r>
+              <a:rPr kumimoji="0" lang="ru-RU" sz="2800" b="0" i="0" u="none" strike="noStrike" kern="0" cap="none" spc="0" normalizeH="0" baseline="0" noProof="0" dirty="0" err="1">
                 <a:ln>
                   <a:noFill/>
                 </a:ln>
@@ -29992,76 +30476,19 @@
                 <a:uLnTx/>
                 <a:uFillTx/>
               </a:rPr>
-            </a:br>
-            <a:r>
-              <a:rPr kumimoji="0" lang="en-US" sz="2800" b="0" i="0" u="none" strike="noStrike" kern="0" cap="none" spc="0" normalizeH="0" baseline="0" noProof="0" dirty="0">
-                <a:ln>
-                  <a:noFill/>
-                </a:ln>
-                <a:solidFill>
-                  <a:srgbClr val="FFFFFF"/>
-                </a:solidFill>
-                <a:effectLst/>
-                <a:uLnTx/>
-                <a:uFillTx/>
-              </a:rPr>
-              <a:t>with Contributions</a:t>
-            </a:r>
-          </a:p>
-        </p:txBody>
-      </p:sp>
-      <p:sp>
-        <p:nvSpPr>
-          <p:cNvPr id="6" name="Rectangle 5"/>
-          <p:cNvSpPr/>
-          <p:nvPr/>
-        </p:nvSpPr>
-        <p:spPr>
-          <a:xfrm>
-            <a:off x="7754061" y="4758633"/>
-            <a:ext cx="2590032" cy="533636"/>
-          </a:xfrm>
-          <a:prstGeom prst="rect">
-            <a:avLst/>
-          </a:prstGeom>
-        </p:spPr>
-        <p:txBody>
-          <a:bodyPr wrap="none">
-            <a:spAutoFit/>
-          </a:bodyPr>
-          <a:lstStyle/>
-          <a:p>
-            <a:pPr marL="0" marR="0" lvl="0" indent="0" defTabSz="914224" eaLnBrk="1" fontAlgn="auto" latinLnBrk="0" hangingPunct="1">
-              <a:lnSpc>
-                <a:spcPct val="100000"/>
-              </a:lnSpc>
-              <a:spcBef>
-                <a:spcPts val="0"/>
-              </a:spcBef>
-              <a:spcAft>
-                <a:spcPts val="0"/>
-              </a:spcAft>
-              <a:buClrTx/>
-              <a:buSzTx/>
-              <a:buFontTx/>
-              <a:buNone/>
-              <a:tabLst/>
-              <a:defRPr/>
-            </a:pPr>
-            <a:r>
-              <a:rPr kumimoji="0" lang="en-US" sz="2800" b="0" i="0" u="none" strike="noStrike" kern="0" cap="none" spc="0" normalizeH="0" baseline="0" noProof="0" dirty="0">
-                <a:ln>
-                  <a:noFill/>
-                </a:ln>
-                <a:solidFill>
-                  <a:srgbClr val="FFFFFF"/>
-                </a:solidFill>
-                <a:effectLst/>
-                <a:uLnTx/>
-                <a:uFillTx/>
-              </a:rPr>
-              <a:t>Cross-Platform</a:t>
-            </a:r>
+              <a:t>платформенность</a:t>
+            </a:r>
+            <a:endParaRPr kumimoji="0" lang="en-US" sz="2800" b="0" i="0" u="none" strike="noStrike" kern="0" cap="none" spc="0" normalizeH="0" baseline="0" noProof="0" dirty="0">
+              <a:ln>
+                <a:noFill/>
+              </a:ln>
+              <a:solidFill>
+                <a:srgbClr val="FFFFFF"/>
+              </a:solidFill>
+              <a:effectLst/>
+              <a:uLnTx/>
+              <a:uFillTx/>
+            </a:endParaRPr>
           </a:p>
         </p:txBody>
       </p:sp>
@@ -31163,7 +31590,7 @@
         <p:spPr>
           <a:xfrm>
             <a:off x="1880631" y="3202670"/>
-            <a:ext cx="4501247" cy="973101"/>
+            <a:ext cx="4174541" cy="954107"/>
           </a:xfrm>
           <a:prstGeom prst="rect">
             <a:avLst/>
@@ -31193,6 +31620,20 @@
               <a:defRPr/>
             </a:pPr>
             <a:r>
+              <a:rPr kumimoji="0" lang="ru-RU" sz="2800" b="0" i="0" u="none" strike="noStrike" kern="0" cap="none" spc="0" normalizeH="0" baseline="0" noProof="0" dirty="0">
+                <a:ln>
+                  <a:noFill/>
+                </a:ln>
+                <a:solidFill>
+                  <a:srgbClr val="FFFFFF"/>
+                </a:solidFill>
+                <a:effectLst/>
+                <a:uLnTx/>
+                <a:uFillTx/>
+              </a:rPr>
+              <a:t>Простой переход</a:t>
+            </a:r>
+            <a:r>
               <a:rPr kumimoji="0" lang="en-US" sz="2800" b="0" i="0" u="none" strike="noStrike" kern="0" cap="none" spc="0" normalizeH="0" baseline="0" noProof="0" dirty="0">
                 <a:ln>
                   <a:noFill/>
@@ -31204,7 +31645,7 @@
                 <a:uLnTx/>
                 <a:uFillTx/>
               </a:rPr>
-              <a:t>Seamless transition </a:t>
+              <a:t> </a:t>
             </a:r>
             <a:br>
               <a:rPr kumimoji="0" lang="en-US" sz="2800" b="0" i="0" u="none" strike="noStrike" kern="0" cap="none" spc="0" normalizeH="0" baseline="0" noProof="0" dirty="0">
@@ -31220,6 +31661,20 @@
               </a:rPr>
             </a:br>
             <a:r>
+              <a:rPr kumimoji="0" lang="ru-RU" sz="2800" b="0" i="0" u="none" strike="noStrike" kern="0" cap="none" spc="0" normalizeH="0" baseline="0" noProof="0" dirty="0">
+                <a:ln>
+                  <a:noFill/>
+                </a:ln>
+                <a:solidFill>
+                  <a:srgbClr val="FFFFFF"/>
+                </a:solidFill>
+                <a:effectLst/>
+                <a:uLnTx/>
+                <a:uFillTx/>
+              </a:rPr>
+              <a:t>от </a:t>
+            </a:r>
+            <a:r>
               <a:rPr kumimoji="0" lang="en-US" sz="2800" b="0" i="0" u="none" strike="noStrike" kern="0" cap="none" spc="0" normalizeH="0" baseline="0" noProof="0" dirty="0">
                 <a:ln>
                   <a:noFill/>
@@ -31231,8 +31686,33 @@
                 <a:uLnTx/>
                 <a:uFillTx/>
               </a:rPr>
-              <a:t>from on-premises to cloud</a:t>
-            </a:r>
+              <a:t>on-premises </a:t>
+            </a:r>
+            <a:r>
+              <a:rPr kumimoji="0" lang="ru-RU" sz="2800" b="0" i="0" u="none" strike="noStrike" kern="0" cap="none" spc="0" normalizeH="0" baseline="0" noProof="0" dirty="0">
+                <a:ln>
+                  <a:noFill/>
+                </a:ln>
+                <a:solidFill>
+                  <a:srgbClr val="FFFFFF"/>
+                </a:solidFill>
+                <a:effectLst/>
+                <a:uLnTx/>
+                <a:uFillTx/>
+              </a:rPr>
+              <a:t>в облако</a:t>
+            </a:r>
+            <a:endParaRPr kumimoji="0" lang="en-US" sz="2800" b="0" i="0" u="none" strike="noStrike" kern="0" cap="none" spc="0" normalizeH="0" baseline="0" noProof="0" dirty="0">
+              <a:ln>
+                <a:noFill/>
+              </a:ln>
+              <a:solidFill>
+                <a:srgbClr val="FFFFFF"/>
+              </a:solidFill>
+              <a:effectLst/>
+              <a:uLnTx/>
+              <a:uFillTx/>
+            </a:endParaRPr>
           </a:p>
         </p:txBody>
       </p:sp>
@@ -31702,8 +32182,8 @@
         </p:nvSpPr>
         <p:spPr>
           <a:xfrm>
-            <a:off x="7754061" y="2130265"/>
-            <a:ext cx="4373723" cy="533636"/>
+            <a:off x="7816300" y="1857527"/>
+            <a:ext cx="2973891" cy="954107"/>
           </a:xfrm>
           <a:prstGeom prst="rect">
             <a:avLst/>
@@ -31733,7 +32213,7 @@
               <a:defRPr/>
             </a:pPr>
             <a:r>
-              <a:rPr kumimoji="0" lang="en-US" sz="2800" b="0" i="0" u="none" strike="noStrike" kern="0" cap="none" spc="0" normalizeH="0" baseline="0" noProof="0" dirty="0">
+              <a:rPr kumimoji="0" lang="ru-RU" sz="2800" b="0" i="0" u="none" strike="noStrike" kern="0" cap="none" spc="0" normalizeH="0" baseline="0" noProof="0" dirty="0">
                 <a:ln>
                   <a:noFill/>
                 </a:ln>
@@ -31744,8 +32224,46 @@
                 <a:uLnTx/>
                 <a:uFillTx/>
               </a:rPr>
-              <a:t>Faster Development Cycle</a:t>
-            </a:r>
+              <a:t>Более быстрый </a:t>
+            </a:r>
+            <a:br>
+              <a:rPr kumimoji="0" lang="ru-RU" sz="2800" b="0" i="0" u="none" strike="noStrike" kern="0" cap="none" spc="0" normalizeH="0" baseline="0" noProof="0" dirty="0">
+                <a:ln>
+                  <a:noFill/>
+                </a:ln>
+                <a:solidFill>
+                  <a:srgbClr val="FFFFFF"/>
+                </a:solidFill>
+                <a:effectLst/>
+                <a:uLnTx/>
+                <a:uFillTx/>
+              </a:rPr>
+            </a:br>
+            <a:r>
+              <a:rPr kumimoji="0" lang="ru-RU" sz="2800" b="0" i="0" u="none" strike="noStrike" kern="0" cap="none" spc="0" normalizeH="0" baseline="0" noProof="0" dirty="0">
+                <a:ln>
+                  <a:noFill/>
+                </a:ln>
+                <a:solidFill>
+                  <a:srgbClr val="FFFFFF"/>
+                </a:solidFill>
+                <a:effectLst/>
+                <a:uLnTx/>
+                <a:uFillTx/>
+              </a:rPr>
+              <a:t>цикл разработки</a:t>
+            </a:r>
+            <a:endParaRPr kumimoji="0" lang="en-US" sz="2800" b="0" i="0" u="none" strike="noStrike" kern="0" cap="none" spc="0" normalizeH="0" baseline="0" noProof="0" dirty="0">
+              <a:ln>
+                <a:noFill/>
+              </a:ln>
+              <a:solidFill>
+                <a:srgbClr val="FFFFFF"/>
+              </a:solidFill>
+              <a:effectLst/>
+              <a:uLnTx/>
+              <a:uFillTx/>
+            </a:endParaRPr>
           </a:p>
         </p:txBody>
       </p:sp>
@@ -31758,7 +32276,7 @@
         <p:spPr>
           <a:xfrm>
             <a:off x="1898091" y="2117401"/>
-            <a:ext cx="2725729" cy="533636"/>
+            <a:ext cx="3692036" cy="523220"/>
           </a:xfrm>
           <a:prstGeom prst="rect">
             <a:avLst/>
@@ -31788,19 +32306,24 @@
               <a:defRPr/>
             </a:pPr>
             <a:r>
-              <a:rPr kumimoji="0" lang="en-US" sz="2800" b="0" i="0" u="none" strike="noStrike" kern="0" cap="none" spc="0" normalizeH="0" baseline="0" noProof="0" dirty="0">
-                <a:ln>
-                  <a:noFill/>
-                </a:ln>
+              <a:rPr lang="ru-RU" sz="2800" kern="0" dirty="0">
                 <a:solidFill>
                   <a:srgbClr val="FFFFFF"/>
                 </a:solidFill>
-                <a:effectLst/>
-                <a:uLnTx/>
-                <a:uFillTx/>
               </a:rPr>
-              <a:t>Totally Modular</a:t>
-            </a:r>
+              <a:t>Полная Модульность</a:t>
+            </a:r>
+            <a:endParaRPr kumimoji="0" lang="en-US" sz="2800" b="0" i="0" u="none" strike="noStrike" kern="0" cap="none" spc="0" normalizeH="0" baseline="0" noProof="0" dirty="0">
+              <a:ln>
+                <a:noFill/>
+              </a:ln>
+              <a:solidFill>
+                <a:srgbClr val="FFFFFF"/>
+              </a:solidFill>
+              <a:effectLst/>
+              <a:uLnTx/>
+              <a:uFillTx/>
+            </a:endParaRPr>
           </a:p>
         </p:txBody>
       </p:sp>
@@ -33378,7 +33901,7 @@
         <p:spPr>
           <a:xfrm>
             <a:off x="5765257" y="5850440"/>
-            <a:ext cx="1200355" cy="784628"/>
+            <a:ext cx="2582758" cy="769313"/>
           </a:xfrm>
           <a:prstGeom prst="rect">
             <a:avLst/>
@@ -33408,7 +33931,7 @@
               <a:defRPr/>
             </a:pPr>
             <a:r>
-              <a:rPr kumimoji="0" lang="en-US" sz="4399" b="0" i="0" u="none" strike="noStrike" kern="0" cap="none" spc="0" normalizeH="0" baseline="0" noProof="0" dirty="0">
+              <a:rPr kumimoji="0" lang="ru-RU" sz="4399" b="0" i="0" u="none" strike="noStrike" kern="0" cap="none" spc="0" normalizeH="0" baseline="0" noProof="0" dirty="0">
                 <a:ln>
                   <a:noFill/>
                 </a:ln>
@@ -33419,8 +33942,19 @@
                 <a:uLnTx/>
                 <a:uFillTx/>
               </a:rPr>
-              <a:t>Fast</a:t>
-            </a:r>
+              <a:t>Скорость</a:t>
+            </a:r>
+            <a:endParaRPr kumimoji="0" lang="en-US" sz="4399" b="0" i="0" u="none" strike="noStrike" kern="0" cap="none" spc="0" normalizeH="0" baseline="0" noProof="0" dirty="0">
+              <a:ln>
+                <a:noFill/>
+              </a:ln>
+              <a:solidFill>
+                <a:srgbClr val="FFFFFF"/>
+              </a:solidFill>
+              <a:effectLst/>
+              <a:uLnTx/>
+              <a:uFillTx/>
+            </a:endParaRPr>
           </a:p>
         </p:txBody>
       </p:sp>
@@ -33573,7 +34107,19 @@
               <a:rPr lang="en-US" dirty="0">
                 <a:ea typeface="Roboto" panose="02000000000000000000" pitchFamily="2" charset="0"/>
               </a:rPr>
-              <a:t>ASP.NET 4.6 and ASP.NET Core 1.0</a:t>
+              <a:t>ASP.NET 4.6 </a:t>
+            </a:r>
+            <a:r>
+              <a:rPr lang="ru-RU" dirty="0">
+                <a:ea typeface="Roboto" panose="02000000000000000000" pitchFamily="2" charset="0"/>
+              </a:rPr>
+              <a:t>и</a:t>
+            </a:r>
+            <a:r>
+              <a:rPr lang="en-US" dirty="0">
+                <a:ea typeface="Roboto" panose="02000000000000000000" pitchFamily="2" charset="0"/>
+              </a:rPr>
+              <a:t> ASP.NET Core 1.0</a:t>
             </a:r>
           </a:p>
         </p:txBody>
@@ -33823,6 +34369,29 @@
               <a:defRPr/>
             </a:pPr>
             <a:r>
+              <a:rPr kumimoji="0" lang="ru-RU" sz="2856" b="0" i="0" u="none" strike="noStrike" kern="0" cap="none" spc="0" normalizeH="0" baseline="0" noProof="0" dirty="0">
+                <a:ln>
+                  <a:noFill/>
+                </a:ln>
+                <a:gradFill>
+                  <a:gsLst>
+                    <a:gs pos="0">
+                      <a:srgbClr val="FFFFFF"/>
+                    </a:gs>
+                    <a:gs pos="100000">
+                      <a:srgbClr val="FFFFFF"/>
+                    </a:gs>
+                  </a:gsLst>
+                  <a:lin ang="5400000" scaled="0"/>
+                </a:gradFill>
+                <a:effectLst/>
+                <a:uLnTx/>
+                <a:uFillTx/>
+                <a:ea typeface="Roboto" panose="02000000000000000000" pitchFamily="2" charset="0"/>
+              </a:rPr>
+              <a:t>Библиотеки </a:t>
+            </a:r>
+            <a:r>
               <a:rPr kumimoji="0" lang="en-US" sz="2856" b="0" i="0" u="none" strike="noStrike" kern="0" cap="none" spc="0" normalizeH="0" baseline="0" noProof="0" dirty="0">
                 <a:ln>
                   <a:noFill/>
@@ -33843,7 +34412,7 @@
                 <a:uFillTx/>
                 <a:ea typeface="Roboto" panose="02000000000000000000" pitchFamily="2" charset="0"/>
               </a:rPr>
-              <a:t>.NET framework libraries</a:t>
+              <a:t>.NET framework</a:t>
             </a:r>
           </a:p>
         </p:txBody>
@@ -33915,6 +34484,30 @@
               <a:defRPr/>
             </a:pPr>
             <a:r>
+              <a:rPr kumimoji="0" lang="ru-RU" sz="2856" b="0" i="0" u="none" strike="noStrike" kern="0" cap="none" spc="0" normalizeH="0" baseline="0" noProof="0" dirty="0">
+                <a:ln>
+                  <a:noFill/>
+                </a:ln>
+                <a:gradFill>
+                  <a:gsLst>
+                    <a:gs pos="0">
+                      <a:srgbClr val="FFFFFF"/>
+                    </a:gs>
+                    <a:gs pos="100000">
+                      <a:srgbClr val="FFFFFF"/>
+                    </a:gs>
+                  </a:gsLst>
+                  <a:lin ang="5400000" scaled="0"/>
+                </a:gradFill>
+                <a:effectLst/>
+                <a:uLnTx/>
+                <a:uFillTx/>
+                <a:ea typeface="Roboto" panose="02000000000000000000" pitchFamily="2" charset="0"/>
+                <a:cs typeface="Segoe UI" pitchFamily="34" charset="0"/>
+              </a:rPr>
+              <a:t>Компиляторы и компоненты среды исполнения</a:t>
+            </a:r>
+            <a:r>
               <a:rPr kumimoji="0" lang="en-US" sz="2856" b="0" i="0" u="none" strike="noStrike" kern="0" cap="none" spc="0" normalizeH="0" baseline="0" noProof="0" dirty="0">
                 <a:ln>
                   <a:noFill/>
@@ -33936,7 +34529,7 @@
                 <a:ea typeface="Roboto" panose="02000000000000000000" pitchFamily="2" charset="0"/>
                 <a:cs typeface="Segoe UI" pitchFamily="34" charset="0"/>
               </a:rPr>
-              <a:t>Compilers and runtime components </a:t>
+              <a:t> </a:t>
             </a:r>
             <a:br>
               <a:rPr kumimoji="0" lang="en-US" sz="2856" b="0" i="0" u="none" strike="noStrike" kern="0" cap="none" spc="0" normalizeH="0" baseline="0" noProof="0" dirty="0">
@@ -33983,7 +34576,103 @@
                 <a:ea typeface="Roboto" panose="02000000000000000000" pitchFamily="2" charset="0"/>
                 <a:cs typeface="Segoe UI" pitchFamily="34" charset="0"/>
               </a:rPr>
-              <a:t>(.NET Compiler Platform: Roslyn, C#, VB, F# Languages, </a:t>
+              <a:t>(</a:t>
+            </a:r>
+            <a:r>
+              <a:rPr kumimoji="0" lang="ru-RU" sz="2040" b="0" i="0" u="none" strike="noStrike" kern="0" cap="none" spc="0" normalizeH="0" baseline="0" noProof="0" dirty="0">
+                <a:ln>
+                  <a:noFill/>
+                </a:ln>
+                <a:gradFill>
+                  <a:gsLst>
+                    <a:gs pos="0">
+                      <a:srgbClr val="FFFFFF"/>
+                    </a:gs>
+                    <a:gs pos="100000">
+                      <a:srgbClr val="FFFFFF"/>
+                    </a:gs>
+                  </a:gsLst>
+                  <a:lin ang="5400000" scaled="0"/>
+                </a:gradFill>
+                <a:effectLst/>
+                <a:uLnTx/>
+                <a:uFillTx/>
+                <a:ea typeface="Roboto" panose="02000000000000000000" pitchFamily="2" charset="0"/>
+                <a:cs typeface="Segoe UI" pitchFamily="34" charset="0"/>
+              </a:rPr>
+              <a:t>Платформа </a:t>
+            </a:r>
+            <a:r>
+              <a:rPr kumimoji="0" lang="en-US" sz="2040" b="0" i="0" u="none" strike="noStrike" kern="0" cap="none" spc="0" normalizeH="0" baseline="0" noProof="0" dirty="0">
+                <a:ln>
+                  <a:noFill/>
+                </a:ln>
+                <a:gradFill>
+                  <a:gsLst>
+                    <a:gs pos="0">
+                      <a:srgbClr val="FFFFFF"/>
+                    </a:gs>
+                    <a:gs pos="100000">
+                      <a:srgbClr val="FFFFFF"/>
+                    </a:gs>
+                  </a:gsLst>
+                  <a:lin ang="5400000" scaled="0"/>
+                </a:gradFill>
+                <a:effectLst/>
+                <a:uLnTx/>
+                <a:uFillTx/>
+                <a:ea typeface="Roboto" panose="02000000000000000000" pitchFamily="2" charset="0"/>
+                <a:cs typeface="Segoe UI" pitchFamily="34" charset="0"/>
+              </a:rPr>
+              <a:t>.NET Compiler : Roslyn, </a:t>
+            </a:r>
+            <a:r>
+              <a:rPr kumimoji="0" lang="ru-RU" sz="2040" b="0" i="0" u="none" strike="noStrike" kern="0" cap="none" spc="0" normalizeH="0" baseline="0" noProof="0" dirty="0">
+                <a:ln>
+                  <a:noFill/>
+                </a:ln>
+                <a:gradFill>
+                  <a:gsLst>
+                    <a:gs pos="0">
+                      <a:srgbClr val="FFFFFF"/>
+                    </a:gs>
+                    <a:gs pos="100000">
+                      <a:srgbClr val="FFFFFF"/>
+                    </a:gs>
+                  </a:gsLst>
+                  <a:lin ang="5400000" scaled="0"/>
+                </a:gradFill>
+                <a:effectLst/>
+                <a:uLnTx/>
+                <a:uFillTx/>
+                <a:ea typeface="Roboto" panose="02000000000000000000" pitchFamily="2" charset="0"/>
+                <a:cs typeface="Segoe UI" pitchFamily="34" charset="0"/>
+              </a:rPr>
+              <a:t>языки </a:t>
+            </a:r>
+            <a:r>
+              <a:rPr kumimoji="0" lang="en-US" sz="2040" b="0" i="0" u="none" strike="noStrike" kern="0" cap="none" spc="0" normalizeH="0" baseline="0" noProof="0" dirty="0">
+                <a:ln>
+                  <a:noFill/>
+                </a:ln>
+                <a:gradFill>
+                  <a:gsLst>
+                    <a:gs pos="0">
+                      <a:srgbClr val="FFFFFF"/>
+                    </a:gs>
+                    <a:gs pos="100000">
+                      <a:srgbClr val="FFFFFF"/>
+                    </a:gs>
+                  </a:gsLst>
+                  <a:lin ang="5400000" scaled="0"/>
+                </a:gradFill>
+                <a:effectLst/>
+                <a:uLnTx/>
+                <a:uFillTx/>
+                <a:ea typeface="Roboto" panose="02000000000000000000" pitchFamily="2" charset="0"/>
+                <a:cs typeface="Segoe UI" pitchFamily="34" charset="0"/>
+              </a:rPr>
+              <a:t>C#, VB, F#, </a:t>
             </a:r>
             <a:r>
               <a:rPr kumimoji="0" lang="en-US" sz="2040" b="0" i="0" u="none" strike="noStrike" kern="0" cap="none" spc="0" normalizeH="0" baseline="0" noProof="0" dirty="0" err="1">
@@ -34191,6 +34880,29 @@
               <a:defRPr/>
             </a:pPr>
             <a:r>
+              <a:rPr kumimoji="0" lang="ru-RU" sz="2856" b="0" i="0" u="none" strike="noStrike" kern="0" cap="none" spc="0" normalizeH="0" baseline="0" noProof="0" dirty="0">
+                <a:ln>
+                  <a:noFill/>
+                </a:ln>
+                <a:gradFill>
+                  <a:gsLst>
+                    <a:gs pos="0">
+                      <a:srgbClr val="FFFFFF"/>
+                    </a:gs>
+                    <a:gs pos="100000">
+                      <a:srgbClr val="FFFFFF"/>
+                    </a:gs>
+                  </a:gsLst>
+                  <a:lin ang="5400000" scaled="0"/>
+                </a:gradFill>
+                <a:effectLst/>
+                <a:uLnTx/>
+                <a:uFillTx/>
+                <a:ea typeface="Roboto" panose="02000000000000000000" pitchFamily="2" charset="0"/>
+              </a:rPr>
+              <a:t>Библиотеки </a:t>
+            </a:r>
+            <a:r>
               <a:rPr kumimoji="0" lang="en-US" sz="2856" b="0" i="0" u="none" strike="noStrike" kern="0" cap="none" spc="0" normalizeH="0" baseline="0" noProof="0" dirty="0">
                 <a:ln>
                   <a:noFill/>
@@ -34211,8 +34923,68 @@
                 <a:uFillTx/>
                 <a:ea typeface="Roboto" panose="02000000000000000000" pitchFamily="2" charset="0"/>
               </a:rPr>
-              <a:t>.NET core libraries</a:t>
-            </a:r>
+              <a:t>.NET </a:t>
+            </a:r>
+            <a:r>
+              <a:rPr kumimoji="0" lang="en-US" sz="2856" b="0" i="0" u="none" strike="noStrike" kern="0" cap="none" spc="0" normalizeH="0" baseline="0" noProof="0" dirty="0" err="1">
+                <a:ln>
+                  <a:noFill/>
+                </a:ln>
+                <a:gradFill>
+                  <a:gsLst>
+                    <a:gs pos="0">
+                      <a:srgbClr val="FFFFFF"/>
+                    </a:gs>
+                    <a:gs pos="100000">
+                      <a:srgbClr val="FFFFFF"/>
+                    </a:gs>
+                  </a:gsLst>
+                  <a:lin ang="5400000" scaled="0"/>
+                </a:gradFill>
+                <a:effectLst/>
+                <a:uLnTx/>
+                <a:uFillTx/>
+                <a:ea typeface="Roboto" panose="02000000000000000000" pitchFamily="2" charset="0"/>
+              </a:rPr>
+              <a:t>cor</a:t>
+            </a:r>
+            <a:r>
+              <a:rPr lang="en-US" sz="2856" kern="0" dirty="0">
+                <a:gradFill>
+                  <a:gsLst>
+                    <a:gs pos="0">
+                      <a:srgbClr val="FFFFFF"/>
+                    </a:gs>
+                    <a:gs pos="100000">
+                      <a:srgbClr val="FFFFFF"/>
+                    </a:gs>
+                  </a:gsLst>
+                  <a:lin ang="5400000" scaled="0"/>
+                </a:gradFill>
+                <a:ea typeface="Roboto" panose="02000000000000000000" pitchFamily="2" charset="0"/>
+              </a:rPr>
+              <a:t>e</a:t>
+            </a:r>
+            <a:endParaRPr kumimoji="0" lang="en-US" sz="2856" b="0" i="0" u="none" strike="noStrike" kern="0" cap="none" spc="0" normalizeH="0" baseline="0" noProof="0" dirty="0">
+              <a:ln>
+                <a:noFill/>
+              </a:ln>
+              <a:gradFill>
+                <a:gsLst>
+                  <a:gs pos="0">
+                    <a:srgbClr val="FFFFFF"/>
+                  </a:gs>
+                  <a:gs pos="100000">
+                    <a:srgbClr val="FFFFFF"/>
+                  </a:gs>
+                </a:gsLst>
+                <a:lin ang="5400000" scaled="0"/>
+              </a:gradFill>
+              <a:effectLst/>
+              <a:uLnTx/>
+              <a:uFillTx/>
+              <a:ea typeface="Roboto" panose="02000000000000000000" pitchFamily="2" charset="0"/>
+            </a:endParaRPr>
           </a:p>
         </p:txBody>
       </p:sp>
@@ -34462,8 +35234,12 @@
           <a:lstStyle/>
           <a:p>
             <a:r>
+              <a:rPr lang="ru-RU" sz="4080" dirty="0"/>
+              <a:t>Что насчет</a:t>
+            </a:r>
+            <a:r>
               <a:rPr lang="en-US" sz="4080" dirty="0"/>
-              <a:t>What about ASP.NET 5?</a:t>
+              <a:t> ASP.NET 5?</a:t>
             </a:r>
           </a:p>
         </p:txBody>
@@ -34504,7 +35280,23 @@
                   <a:schemeClr val="tx1"/>
                 </a:solidFill>
               </a:rPr>
-              <a:t>ASP.NET Core 1.0 was previously called ASP.NET 5</a:t>
+              <a:t>ASP.NET Core 1.0 </a:t>
+            </a:r>
+            <a:r>
+              <a:rPr lang="ru-RU" sz="2856" dirty="0">
+                <a:solidFill>
+                  <a:schemeClr val="tx1"/>
+                </a:solidFill>
+              </a:rPr>
+              <a:t>ранее назывался </a:t>
+            </a:r>
+            <a:r>
+              <a:rPr lang="en-US" sz="2856" dirty="0">
+                <a:solidFill>
+                  <a:schemeClr val="tx1"/>
+                </a:solidFill>
+              </a:rPr>
+              <a:t>ASP.NET 5</a:t>
             </a:r>
           </a:p>
           <a:p>
@@ -34517,12 +35309,20 @@
               </a:spcAft>
             </a:pPr>
             <a:r>
+              <a:rPr lang="ru-RU" sz="2856" dirty="0">
+                <a:solidFill>
+                  <a:schemeClr val="tx1"/>
+                </a:solidFill>
+              </a:rPr>
+              <a:t>Но был переименован в январе </a:t>
+            </a:r>
+            <a:r>
               <a:rPr lang="en-US" sz="2856" dirty="0">
                 <a:solidFill>
                   <a:schemeClr val="tx1"/>
                 </a:solidFill>
               </a:rPr>
-              <a:t>It was renamed in January 2016</a:t>
+              <a:t>2016</a:t>
             </a:r>
           </a:p>
           <a:p>
@@ -34599,13 +35399,57 @@
               </a:spcAft>
             </a:pPr>
             <a:r>
+              <a:rPr lang="ru-RU" sz="2856" dirty="0">
+                <a:solidFill>
+                  <a:schemeClr val="tx1"/>
+                </a:solidFill>
+              </a:rPr>
+              <a:t>Вы можете по прежнему найти упоминания </a:t>
+            </a:r>
+            <a:r>
               <a:rPr lang="en-US" sz="2856" dirty="0">
                 <a:solidFill>
                   <a:schemeClr val="tx1"/>
                 </a:solidFill>
               </a:rPr>
-              <a:t>You’ll still see it referred to as ASP.NET in Visual Studio and in some docs</a:t>
-            </a:r>
+              <a:t>ASP.NET </a:t>
+            </a:r>
+            <a:br>
+              <a:rPr lang="ru-RU" sz="2856" dirty="0">
+                <a:solidFill>
+                  <a:schemeClr val="tx1"/>
+                </a:solidFill>
+              </a:rPr>
+            </a:br>
+            <a:r>
+              <a:rPr lang="ru-RU" sz="2856" dirty="0">
+                <a:solidFill>
+                  <a:schemeClr val="tx1"/>
+                </a:solidFill>
+              </a:rPr>
+              <a:t>в </a:t>
+            </a:r>
+            <a:r>
+              <a:rPr lang="en-US" sz="2856" dirty="0">
+                <a:solidFill>
+                  <a:schemeClr val="tx1"/>
+                </a:solidFill>
+              </a:rPr>
+              <a:t>Visual Studio </a:t>
+            </a:r>
+            <a:r>
+              <a:rPr lang="ru-RU" sz="2856" dirty="0">
+                <a:solidFill>
+                  <a:schemeClr val="tx1"/>
+                </a:solidFill>
+              </a:rPr>
+              <a:t>и некоторых документах.</a:t>
+            </a:r>
+            <a:endParaRPr lang="en-US" sz="2856" dirty="0">
+              <a:solidFill>
+                <a:schemeClr val="tx1"/>
+              </a:solidFill>
+            </a:endParaRPr>
           </a:p>
           <a:p>
             <a:pPr>
@@ -34622,7 +35466,23 @@
                   <a:schemeClr val="tx1"/>
                 </a:solidFill>
               </a:rPr>
-              <a:t>	Will be updated in next ASP.NET Core Release Candidate</a:t>
+              <a:t>	</a:t>
+            </a:r>
+            <a:r>
+              <a:rPr lang="ru-RU" sz="2856" dirty="0">
+                <a:solidFill>
+                  <a:schemeClr val="tx1"/>
+                </a:solidFill>
+              </a:rPr>
+              <a:t>Это будет обновлено в следующих выпусках </a:t>
+            </a:r>
+            <a:r>
+              <a:rPr lang="en-US" sz="2856" dirty="0">
+                <a:solidFill>
+                  <a:schemeClr val="tx1"/>
+                </a:solidFill>
+              </a:rPr>
+              <a:t>ASP.NET Core</a:t>
             </a:r>
           </a:p>
         </p:txBody>
@@ -35811,9 +36671,10 @@
           <a:lstStyle/>
           <a:p>
             <a:r>
-              <a:rPr lang="en-US" dirty="0"/>
-              <a:t>Tools Installation</a:t>
-            </a:r>
+              <a:rPr lang="ru-RU" dirty="0"/>
+              <a:t>Установка инструментов</a:t>
+            </a:r>
+            <a:endParaRPr lang="en-US" dirty="0"/>
           </a:p>
         </p:txBody>
       </p:sp>
@@ -37827,13 +38688,13 @@
 
 <file path=customXml/item1.xml><?xml version="1.0" encoding="utf-8"?>
 <Control xmlns="http://schemas.microsoft.com/VisualStudio/2011/storyboarding/control">
-  <Id Name="fb22c541-ded0-47fa-8877-83a4c2d16227" Revision="1" Stencil="7276b9ef-3953-4dce-a89b-ed85f20b8b93" StencilVersion="1.0"/>
+  <Id Name="d69996e1-3d61-4686-9b63-f1b855c596ab" Revision="1" Stencil="7276b9ef-3953-4dce-a89b-ed85f20b8b93" StencilVersion="1.0"/>
 </Control>
 </file>
 
 <file path=customXml/item2.xml><?xml version="1.0" encoding="utf-8"?>
 <Control xmlns="http://schemas.microsoft.com/VisualStudio/2011/storyboarding/control">
-  <Id Name="d69996e1-3d61-4686-9b63-f1b855c596ab" Revision="1" Stencil="7276b9ef-3953-4dce-a89b-ed85f20b8b93" StencilVersion="1.0"/>
+  <Id Name="fb22c541-ded0-47fa-8877-83a4c2d16227" Revision="1" Stencil="7276b9ef-3953-4dce-a89b-ed85f20b8b93" StencilVersion="1.0"/>
 </Control>
 </file>
 
@@ -37844,7 +38705,7 @@
 </file>
 
 <file path=customXml/itemProps1.xml><?xml version="1.0" encoding="utf-8"?>
-<ds:datastoreItem xmlns:ds="http://schemas.openxmlformats.org/officeDocument/2006/customXml" ds:itemID="{4C1B3C27-4803-4D72-A3F8-6668A3F0A24B}">
+<ds:datastoreItem xmlns:ds="http://schemas.openxmlformats.org/officeDocument/2006/customXml" ds:itemID="{0282FB20-2D4C-459D-8468-77D1D3C6925D}">
   <ds:schemaRefs>
     <ds:schemaRef ds:uri="http://schemas.microsoft.com/VisualStudio/2011/storyboarding/control"/>
   </ds:schemaRefs>
@@ -37852,7 +38713,7 @@
 </file>
 
 <file path=customXml/itemProps2.xml><?xml version="1.0" encoding="utf-8"?>
-<ds:datastoreItem xmlns:ds="http://schemas.openxmlformats.org/officeDocument/2006/customXml" ds:itemID="{0282FB20-2D4C-459D-8468-77D1D3C6925D}">
+<ds:datastoreItem xmlns:ds="http://schemas.openxmlformats.org/officeDocument/2006/customXml" ds:itemID="{4C1B3C27-4803-4D72-A3F8-6668A3F0A24B}">
   <ds:schemaRefs>
     <ds:schemaRef ds:uri="http://schemas.microsoft.com/VisualStudio/2011/storyboarding/control"/>
   </ds:schemaRefs>
